--- a/Key Masters.pptx
+++ b/Key Masters.pptx
@@ -111,6 +111,11 @@
       </a:defRPr>
     </a:lvl9pPr>
   </p:defaultTextStyle>
+  <p:extLst>
+    <p:ext uri="{EFAFB233-063F-42B5-8137-9DF3F51BA10A}">
+      <p15:sldGuideLst xmlns:p15="http://schemas.microsoft.com/office/powerpoint/2012/main"/>
+    </p:ext>
+  </p:extLst>
 </p:presentation>
 </file>
 
@@ -3307,6 +3312,14 @@
             <a:endParaRPr lang="en-US" dirty="0"/>
           </a:p>
           <a:p>
+            <a:r>
+              <a:rPr lang="en-US" dirty="0" smtClean="0"/>
+              <a:t>Hello </a:t>
+            </a:r>
+            <a:r>
+              <a:rPr lang="en-US" smtClean="0"/>
+              <a:t>WOrld</a:t>
+            </a:r>
             <a:endParaRPr lang="en-US" dirty="0" smtClean="0"/>
           </a:p>
           <a:p>

--- a/Key Masters.pptx
+++ b/Key Masters.pptx
@@ -13,6 +13,9 @@
     <p:sldId id="260" r:id="rId7"/>
     <p:sldId id="258" r:id="rId8"/>
     <p:sldId id="263" r:id="rId9"/>
+    <p:sldId id="264" r:id="rId10"/>
+    <p:sldId id="266" r:id="rId11"/>
+    <p:sldId id="265" r:id="rId12"/>
   </p:sldIdLst>
   <p:sldSz cx="12192000" cy="6858000"/>
   <p:notesSz cx="6858000" cy="9144000"/>
@@ -250,7 +253,7 @@
           <a:p>
             <a:fld id="{07AE0643-7514-477D-80C0-FDC9A99C01B8}" type="datetimeFigureOut">
               <a:rPr lang="en-US" smtClean="0"/>
-              <a:t>2/27/2018</a:t>
+              <a:t>3/1/2018</a:t>
             </a:fld>
             <a:endParaRPr lang="en-US"/>
           </a:p>
@@ -420,7 +423,7 @@
           <a:p>
             <a:fld id="{07AE0643-7514-477D-80C0-FDC9A99C01B8}" type="datetimeFigureOut">
               <a:rPr lang="en-US" smtClean="0"/>
-              <a:t>2/27/2018</a:t>
+              <a:t>3/1/2018</a:t>
             </a:fld>
             <a:endParaRPr lang="en-US"/>
           </a:p>
@@ -600,7 +603,7 @@
           <a:p>
             <a:fld id="{07AE0643-7514-477D-80C0-FDC9A99C01B8}" type="datetimeFigureOut">
               <a:rPr lang="en-US" smtClean="0"/>
-              <a:t>2/27/2018</a:t>
+              <a:t>3/1/2018</a:t>
             </a:fld>
             <a:endParaRPr lang="en-US"/>
           </a:p>
@@ -770,7 +773,7 @@
           <a:p>
             <a:fld id="{07AE0643-7514-477D-80C0-FDC9A99C01B8}" type="datetimeFigureOut">
               <a:rPr lang="en-US" smtClean="0"/>
-              <a:t>2/27/2018</a:t>
+              <a:t>3/1/2018</a:t>
             </a:fld>
             <a:endParaRPr lang="en-US"/>
           </a:p>
@@ -1016,7 +1019,7 @@
           <a:p>
             <a:fld id="{07AE0643-7514-477D-80C0-FDC9A99C01B8}" type="datetimeFigureOut">
               <a:rPr lang="en-US" smtClean="0"/>
-              <a:t>2/27/2018</a:t>
+              <a:t>3/1/2018</a:t>
             </a:fld>
             <a:endParaRPr lang="en-US"/>
           </a:p>
@@ -1248,7 +1251,7 @@
           <a:p>
             <a:fld id="{07AE0643-7514-477D-80C0-FDC9A99C01B8}" type="datetimeFigureOut">
               <a:rPr lang="en-US" smtClean="0"/>
-              <a:t>2/27/2018</a:t>
+              <a:t>3/1/2018</a:t>
             </a:fld>
             <a:endParaRPr lang="en-US"/>
           </a:p>
@@ -1615,7 +1618,7 @@
           <a:p>
             <a:fld id="{07AE0643-7514-477D-80C0-FDC9A99C01B8}" type="datetimeFigureOut">
               <a:rPr lang="en-US" smtClean="0"/>
-              <a:t>2/27/2018</a:t>
+              <a:t>3/1/2018</a:t>
             </a:fld>
             <a:endParaRPr lang="en-US"/>
           </a:p>
@@ -1733,7 +1736,7 @@
           <a:p>
             <a:fld id="{07AE0643-7514-477D-80C0-FDC9A99C01B8}" type="datetimeFigureOut">
               <a:rPr lang="en-US" smtClean="0"/>
-              <a:t>2/27/2018</a:t>
+              <a:t>3/1/2018</a:t>
             </a:fld>
             <a:endParaRPr lang="en-US"/>
           </a:p>
@@ -1828,7 +1831,7 @@
           <a:p>
             <a:fld id="{07AE0643-7514-477D-80C0-FDC9A99C01B8}" type="datetimeFigureOut">
               <a:rPr lang="en-US" smtClean="0"/>
-              <a:t>2/27/2018</a:t>
+              <a:t>3/1/2018</a:t>
             </a:fld>
             <a:endParaRPr lang="en-US"/>
           </a:p>
@@ -2105,7 +2108,7 @@
           <a:p>
             <a:fld id="{07AE0643-7514-477D-80C0-FDC9A99C01B8}" type="datetimeFigureOut">
               <a:rPr lang="en-US" smtClean="0"/>
-              <a:t>2/27/2018</a:t>
+              <a:t>3/1/2018</a:t>
             </a:fld>
             <a:endParaRPr lang="en-US"/>
           </a:p>
@@ -2358,7 +2361,7 @@
           <a:p>
             <a:fld id="{07AE0643-7514-477D-80C0-FDC9A99C01B8}" type="datetimeFigureOut">
               <a:rPr lang="en-US" smtClean="0"/>
-              <a:t>2/27/2018</a:t>
+              <a:t>3/1/2018</a:t>
             </a:fld>
             <a:endParaRPr lang="en-US"/>
           </a:p>
@@ -2571,7 +2574,7 @@
           <a:p>
             <a:fld id="{07AE0643-7514-477D-80C0-FDC9A99C01B8}" type="datetimeFigureOut">
               <a:rPr lang="en-US" smtClean="0"/>
-              <a:t>2/27/2018</a:t>
+              <a:t>3/1/2018</a:t>
             </a:fld>
             <a:endParaRPr lang="en-US"/>
           </a:p>
@@ -3059,6 +3062,192 @@
 </p:sld>
 </file>
 
+<file path=ppt/slides/slide10.xml><?xml version="1.0" encoding="utf-8"?>
+<p:sld xmlns:a="http://schemas.openxmlformats.org/drawingml/2006/main" xmlns:r="http://schemas.openxmlformats.org/officeDocument/2006/relationships" xmlns:p="http://schemas.openxmlformats.org/presentationml/2006/main">
+  <p:cSld>
+    <p:spTree>
+      <p:nvGrpSpPr>
+        <p:cNvPr id="1" name=""/>
+        <p:cNvGrpSpPr/>
+        <p:nvPr/>
+      </p:nvGrpSpPr>
+      <p:grpSpPr>
+        <a:xfrm>
+          <a:off x="0" y="0"/>
+          <a:ext cx="0" cy="0"/>
+          <a:chOff x="0" y="0"/>
+          <a:chExt cx="0" cy="0"/>
+        </a:xfrm>
+      </p:grpSpPr>
+      <p:sp>
+        <p:nvSpPr>
+          <p:cNvPr id="2" name="Title 1"/>
+          <p:cNvSpPr>
+            <a:spLocks noGrp="1"/>
+          </p:cNvSpPr>
+          <p:nvPr>
+            <p:ph type="title"/>
+          </p:nvPr>
+        </p:nvSpPr>
+        <p:spPr/>
+        <p:txBody>
+          <a:bodyPr/>
+          <a:lstStyle/>
+          <a:p>
+            <a:r>
+              <a:rPr lang="en-US" dirty="0" smtClean="0"/>
+              <a:t>Burn down chart</a:t>
+            </a:r>
+            <a:endParaRPr lang="en-US" dirty="0"/>
+          </a:p>
+        </p:txBody>
+      </p:sp>
+      <p:pic>
+        <p:nvPicPr>
+          <p:cNvPr id="4" name="Content Placeholder 3"/>
+          <p:cNvPicPr>
+            <a:picLocks noGrp="1" noChangeAspect="1"/>
+          </p:cNvPicPr>
+          <p:nvPr>
+            <p:ph idx="1"/>
+          </p:nvPr>
+        </p:nvPicPr>
+        <p:blipFill>
+          <a:blip r:embed="rId2"/>
+          <a:stretch>
+            <a:fillRect/>
+          </a:stretch>
+        </p:blipFill>
+        <p:spPr>
+          <a:xfrm>
+            <a:off x="436163" y="1690688"/>
+            <a:ext cx="11319674" cy="4290219"/>
+          </a:xfrm>
+          <a:prstGeom prst="rect">
+            <a:avLst/>
+          </a:prstGeom>
+        </p:spPr>
+      </p:pic>
+    </p:spTree>
+    <p:extLst>
+      <p:ext uri="{BB962C8B-B14F-4D97-AF65-F5344CB8AC3E}">
+        <p14:creationId xmlns:p14="http://schemas.microsoft.com/office/powerpoint/2010/main" val="3314035653"/>
+      </p:ext>
+    </p:extLst>
+  </p:cSld>
+  <p:clrMapOvr>
+    <a:masterClrMapping/>
+  </p:clrMapOvr>
+</p:sld>
+</file>
+
+<file path=ppt/slides/slide11.xml><?xml version="1.0" encoding="utf-8"?>
+<p:sld xmlns:a="http://schemas.openxmlformats.org/drawingml/2006/main" xmlns:r="http://schemas.openxmlformats.org/officeDocument/2006/relationships" xmlns:p="http://schemas.openxmlformats.org/presentationml/2006/main">
+  <p:cSld>
+    <p:spTree>
+      <p:nvGrpSpPr>
+        <p:cNvPr id="1" name=""/>
+        <p:cNvGrpSpPr/>
+        <p:nvPr/>
+      </p:nvGrpSpPr>
+      <p:grpSpPr>
+        <a:xfrm>
+          <a:off x="0" y="0"/>
+          <a:ext cx="0" cy="0"/>
+          <a:chOff x="0" y="0"/>
+          <a:chExt cx="0" cy="0"/>
+        </a:xfrm>
+      </p:grpSpPr>
+      <p:sp>
+        <p:nvSpPr>
+          <p:cNvPr id="2" name="Title 1"/>
+          <p:cNvSpPr>
+            <a:spLocks noGrp="1"/>
+          </p:cNvSpPr>
+          <p:nvPr>
+            <p:ph type="title"/>
+          </p:nvPr>
+        </p:nvSpPr>
+        <p:spPr/>
+        <p:txBody>
+          <a:bodyPr/>
+          <a:lstStyle/>
+          <a:p>
+            <a:r>
+              <a:rPr lang="en-US" dirty="0" smtClean="0"/>
+              <a:t>Overall Assessment</a:t>
+            </a:r>
+            <a:endParaRPr lang="en-US" dirty="0"/>
+          </a:p>
+        </p:txBody>
+      </p:sp>
+      <p:sp>
+        <p:nvSpPr>
+          <p:cNvPr id="3" name="Content Placeholder 2"/>
+          <p:cNvSpPr>
+            <a:spLocks noGrp="1"/>
+          </p:cNvSpPr>
+          <p:nvPr>
+            <p:ph idx="1"/>
+          </p:nvPr>
+        </p:nvSpPr>
+        <p:spPr/>
+        <p:txBody>
+          <a:bodyPr/>
+          <a:lstStyle/>
+          <a:p>
+            <a:r>
+              <a:rPr lang="en-US" dirty="0" smtClean="0"/>
+              <a:t>To Date: ~30% done</a:t>
+            </a:r>
+          </a:p>
+          <a:p>
+            <a:r>
+              <a:rPr lang="en-US" dirty="0" smtClean="0"/>
+              <a:t>Weekly meetings</a:t>
+            </a:r>
+          </a:p>
+          <a:p>
+            <a:r>
+              <a:rPr lang="en-US" dirty="0" smtClean="0"/>
+              <a:t>Learned</a:t>
+            </a:r>
+            <a:endParaRPr lang="en-US" dirty="0"/>
+          </a:p>
+          <a:p>
+            <a:endParaRPr lang="en-US" dirty="0" smtClean="0"/>
+          </a:p>
+          <a:p>
+            <a:endParaRPr lang="en-US" dirty="0" smtClean="0"/>
+          </a:p>
+          <a:p>
+            <a:endParaRPr lang="en-US" dirty="0"/>
+          </a:p>
+          <a:p>
+            <a:endParaRPr lang="en-US" dirty="0" smtClean="0"/>
+          </a:p>
+          <a:p>
+            <a:r>
+              <a:rPr lang="en-US" dirty="0" smtClean="0"/>
+              <a:t>Hannah</a:t>
+            </a:r>
+            <a:endParaRPr lang="en-US" dirty="0"/>
+          </a:p>
+        </p:txBody>
+      </p:sp>
+    </p:spTree>
+    <p:extLst>
+      <p:ext uri="{BB962C8B-B14F-4D97-AF65-F5344CB8AC3E}">
+        <p14:creationId xmlns:p14="http://schemas.microsoft.com/office/powerpoint/2010/main" val="3939541112"/>
+      </p:ext>
+    </p:extLst>
+  </p:cSld>
+  <p:clrMapOvr>
+    <a:masterClrMapping/>
+  </p:clrMapOvr>
+</p:sld>
+</file>
+
 <file path=ppt/slides/slide2.xml><?xml version="1.0" encoding="utf-8"?>
 <p:sld xmlns:a="http://schemas.openxmlformats.org/drawingml/2006/main" xmlns:r="http://schemas.openxmlformats.org/officeDocument/2006/relationships" xmlns:p="http://schemas.openxmlformats.org/presentationml/2006/main">
   <p:cSld>
@@ -3299,7 +3488,15 @@
           <a:p>
             <a:r>
               <a:rPr lang="en-US" dirty="0" smtClean="0"/>
-              <a:t>Show the app (form) now </a:t>
+              <a:t>Show the app (form</a:t>
+            </a:r>
+            <a:r>
+              <a:rPr lang="en-US" dirty="0"/>
+              <a:t>)</a:t>
+            </a:r>
+            <a:r>
+              <a:rPr lang="en-US" dirty="0" smtClean="0"/>
+              <a:t> </a:t>
             </a:r>
           </a:p>
           <a:p>
@@ -3312,14 +3509,6 @@
             <a:endParaRPr lang="en-US" dirty="0"/>
           </a:p>
           <a:p>
-            <a:r>
-              <a:rPr lang="en-US" dirty="0" smtClean="0"/>
-              <a:t>Hello </a:t>
-            </a:r>
-            <a:r>
-              <a:rPr lang="en-US" smtClean="0"/>
-              <a:t>WOrld</a:t>
-            </a:r>
             <a:endParaRPr lang="en-US" dirty="0" smtClean="0"/>
           </a:p>
           <a:p>
@@ -3383,7 +3572,7 @@
           <a:p>
             <a:r>
               <a:rPr lang="en-US" dirty="0" smtClean="0"/>
-              <a:t>Timeline – where we hope to be/Tasks assigned to each member</a:t>
+              <a:t>Timeline </a:t>
             </a:r>
             <a:endParaRPr lang="en-US" dirty="0"/>
           </a:p>
@@ -3399,10 +3588,44 @@
             <p:ph idx="1"/>
           </p:nvPr>
         </p:nvSpPr>
-        <p:spPr/>
-        <p:txBody>
-          <a:bodyPr/>
-          <a:lstStyle/>
+        <p:spPr>
+          <a:xfrm>
+            <a:off x="838200" y="1825625"/>
+            <a:ext cx="10515600" cy="4889500"/>
+          </a:xfrm>
+        </p:spPr>
+        <p:txBody>
+          <a:bodyPr>
+            <a:normAutofit lnSpcReduction="10000"/>
+          </a:bodyPr>
+          <a:lstStyle/>
+          <a:p>
+            <a:endParaRPr lang="en-US" dirty="0" smtClean="0"/>
+          </a:p>
+          <a:p>
+            <a:endParaRPr lang="en-US" dirty="0"/>
+          </a:p>
+          <a:p>
+            <a:endParaRPr lang="en-US" dirty="0" smtClean="0"/>
+          </a:p>
+          <a:p>
+            <a:endParaRPr lang="en-US" dirty="0"/>
+          </a:p>
+          <a:p>
+            <a:endParaRPr lang="en-US" dirty="0" smtClean="0"/>
+          </a:p>
+          <a:p>
+            <a:endParaRPr lang="en-US" dirty="0"/>
+          </a:p>
+          <a:p>
+            <a:endParaRPr lang="en-US" dirty="0" smtClean="0"/>
+          </a:p>
+          <a:p>
+            <a:endParaRPr lang="en-US" dirty="0"/>
+          </a:p>
+          <a:p>
+            <a:endParaRPr lang="en-US" dirty="0" smtClean="0"/>
+          </a:p>
           <a:p>
             <a:r>
               <a:rPr lang="en-US" dirty="0" smtClean="0"/>
@@ -3412,6 +3635,30 @@
           </a:p>
         </p:txBody>
       </p:sp>
+      <p:pic>
+        <p:nvPicPr>
+          <p:cNvPr id="4" name="Picture 3"/>
+          <p:cNvPicPr>
+            <a:picLocks noChangeAspect="1"/>
+          </p:cNvPicPr>
+          <p:nvPr/>
+        </p:nvPicPr>
+        <p:blipFill>
+          <a:blip r:embed="rId2"/>
+          <a:stretch>
+            <a:fillRect/>
+          </a:stretch>
+        </p:blipFill>
+        <p:spPr>
+          <a:xfrm>
+            <a:off x="388143" y="1825625"/>
+            <a:ext cx="11672888" cy="3975100"/>
+          </a:xfrm>
+          <a:prstGeom prst="rect">
+            <a:avLst/>
+          </a:prstGeom>
+        </p:spPr>
+      </p:pic>
     </p:spTree>
     <p:extLst>
       <p:ext uri="{BB962C8B-B14F-4D97-AF65-F5344CB8AC3E}">
@@ -3629,8 +3876,34 @@
         </p:nvSpPr>
         <p:spPr/>
         <p:txBody>
-          <a:bodyPr/>
-          <a:lstStyle/>
+          <a:bodyPr>
+            <a:normAutofit lnSpcReduction="10000"/>
+          </a:bodyPr>
+          <a:lstStyle/>
+          <a:p>
+            <a:endParaRPr lang="en-US" dirty="0" smtClean="0"/>
+          </a:p>
+          <a:p>
+            <a:endParaRPr lang="en-US" dirty="0"/>
+          </a:p>
+          <a:p>
+            <a:endParaRPr lang="en-US" dirty="0" smtClean="0"/>
+          </a:p>
+          <a:p>
+            <a:endParaRPr lang="en-US" dirty="0"/>
+          </a:p>
+          <a:p>
+            <a:endParaRPr lang="en-US" dirty="0" smtClean="0"/>
+          </a:p>
+          <a:p>
+            <a:endParaRPr lang="en-US" dirty="0" smtClean="0"/>
+          </a:p>
+          <a:p>
+            <a:endParaRPr lang="en-US" dirty="0"/>
+          </a:p>
+          <a:p>
+            <a:endParaRPr lang="en-US" dirty="0" smtClean="0"/>
+          </a:p>
           <a:p>
             <a:r>
               <a:rPr lang="en-US" dirty="0" smtClean="0"/>
@@ -3640,10 +3913,126 @@
           </a:p>
         </p:txBody>
       </p:sp>
+      <p:pic>
+        <p:nvPicPr>
+          <p:cNvPr id="4" name="Picture 3"/>
+          <p:cNvPicPr/>
+          <p:nvPr/>
+        </p:nvPicPr>
+        <p:blipFill>
+          <a:blip r:embed="rId2">
+            <a:extLst>
+              <a:ext uri="{28A0092B-C50C-407E-A947-70E740481C1C}">
+                <a14:useLocalDpi xmlns:a14="http://schemas.microsoft.com/office/drawing/2010/main" val="0"/>
+              </a:ext>
+            </a:extLst>
+          </a:blip>
+          <a:stretch>
+            <a:fillRect/>
+          </a:stretch>
+        </p:blipFill>
+        <p:spPr>
+          <a:xfrm>
+            <a:off x="2214562" y="1300163"/>
+            <a:ext cx="7762875" cy="4368800"/>
+          </a:xfrm>
+          <a:prstGeom prst="rect">
+            <a:avLst/>
+          </a:prstGeom>
+        </p:spPr>
+      </p:pic>
     </p:spTree>
     <p:extLst>
       <p:ext uri="{BB962C8B-B14F-4D97-AF65-F5344CB8AC3E}">
         <p14:creationId xmlns:p14="http://schemas.microsoft.com/office/powerpoint/2010/main" val="3953150210"/>
+      </p:ext>
+    </p:extLst>
+  </p:cSld>
+  <p:clrMapOvr>
+    <a:masterClrMapping/>
+  </p:clrMapOvr>
+</p:sld>
+</file>
+
+<file path=ppt/slides/slide9.xml><?xml version="1.0" encoding="utf-8"?>
+<p:sld xmlns:a="http://schemas.openxmlformats.org/drawingml/2006/main" xmlns:r="http://schemas.openxmlformats.org/officeDocument/2006/relationships" xmlns:p="http://schemas.openxmlformats.org/presentationml/2006/main">
+  <p:cSld>
+    <p:spTree>
+      <p:nvGrpSpPr>
+        <p:cNvPr id="1" name=""/>
+        <p:cNvGrpSpPr/>
+        <p:nvPr/>
+      </p:nvGrpSpPr>
+      <p:grpSpPr>
+        <a:xfrm>
+          <a:off x="0" y="0"/>
+          <a:ext cx="0" cy="0"/>
+          <a:chOff x="0" y="0"/>
+          <a:chExt cx="0" cy="0"/>
+        </a:xfrm>
+      </p:grpSpPr>
+      <p:sp>
+        <p:nvSpPr>
+          <p:cNvPr id="2" name="Title 1"/>
+          <p:cNvSpPr>
+            <a:spLocks noGrp="1"/>
+          </p:cNvSpPr>
+          <p:nvPr>
+            <p:ph type="title"/>
+          </p:nvPr>
+        </p:nvSpPr>
+        <p:spPr/>
+        <p:txBody>
+          <a:bodyPr/>
+          <a:lstStyle/>
+          <a:p>
+            <a:r>
+              <a:rPr lang="en-US" dirty="0" smtClean="0"/>
+              <a:t>Client comments</a:t>
+            </a:r>
+            <a:endParaRPr lang="en-US" dirty="0"/>
+          </a:p>
+        </p:txBody>
+      </p:sp>
+      <p:sp>
+        <p:nvSpPr>
+          <p:cNvPr id="3" name="Content Placeholder 2"/>
+          <p:cNvSpPr>
+            <a:spLocks noGrp="1"/>
+          </p:cNvSpPr>
+          <p:nvPr>
+            <p:ph idx="1"/>
+          </p:nvPr>
+        </p:nvSpPr>
+        <p:spPr/>
+        <p:txBody>
+          <a:bodyPr/>
+          <a:lstStyle/>
+          <a:p>
+            <a:r>
+              <a:rPr lang="en-US" dirty="0" smtClean="0"/>
+              <a:t>(Jeremiah, can you tell us some things they said?)</a:t>
+            </a:r>
+          </a:p>
+          <a:p>
+            <a:endParaRPr lang="en-US" dirty="0"/>
+          </a:p>
+          <a:p>
+            <a:endParaRPr lang="en-US" dirty="0" smtClean="0"/>
+          </a:p>
+          <a:p>
+            <a:r>
+              <a:rPr lang="en-US" dirty="0" smtClean="0"/>
+              <a:t>Cassie</a:t>
+            </a:r>
+            <a:endParaRPr lang="en-US" dirty="0"/>
+          </a:p>
+        </p:txBody>
+      </p:sp>
+    </p:spTree>
+    <p:extLst>
+      <p:ext uri="{BB962C8B-B14F-4D97-AF65-F5344CB8AC3E}">
+        <p14:creationId xmlns:p14="http://schemas.microsoft.com/office/powerpoint/2010/main" val="909066959"/>
       </p:ext>
     </p:extLst>
   </p:cSld>

--- a/Key Masters.pptx
+++ b/Key Masters.pptx
@@ -3488,36 +3488,20 @@
           <a:p>
             <a:r>
               <a:rPr lang="en-US" dirty="0" smtClean="0"/>
-              <a:t>Show the app (form</a:t>
-            </a:r>
-            <a:r>
-              <a:rPr lang="en-US" dirty="0"/>
-              <a:t>)</a:t>
-            </a:r>
+              <a:t>Login</a:t>
+            </a:r>
+          </a:p>
+          <a:p>
             <a:r>
               <a:rPr lang="en-US" dirty="0" smtClean="0"/>
-              <a:t> </a:t>
+              <a:t>Show functionality of all form</a:t>
             </a:r>
           </a:p>
           <a:p>
             <a:r>
               <a:rPr lang="en-US" dirty="0" smtClean="0"/>
-              <a:t>Walk through hypothetical user</a:t>
-            </a:r>
-          </a:p>
-          <a:p>
-            <a:endParaRPr lang="en-US" dirty="0"/>
-          </a:p>
-          <a:p>
-            <a:endParaRPr lang="en-US" dirty="0" smtClean="0"/>
-          </a:p>
-          <a:p>
-            <a:r>
-              <a:rPr lang="en-US" dirty="0" smtClean="0"/>
-              <a:t>Kyle</a:t>
-            </a:r>
-          </a:p>
-          <a:p>
+              <a:t>Explain what still needs to be done</a:t>
+            </a:r>
             <a:endParaRPr lang="en-US" dirty="0"/>
           </a:p>
           <a:p>

--- a/Key Masters.pptx
+++ b/Key Masters.pptx
@@ -250,7 +250,7 @@
           <a:p>
             <a:fld id="{07AE0643-7514-477D-80C0-FDC9A99C01B8}" type="datetimeFigureOut">
               <a:rPr lang="en-US" smtClean="0"/>
-              <a:t>3/1/2018</a:t>
+              <a:t>4/5/2018</a:t>
             </a:fld>
             <a:endParaRPr lang="en-US"/>
           </a:p>
@@ -420,7 +420,7 @@
           <a:p>
             <a:fld id="{07AE0643-7514-477D-80C0-FDC9A99C01B8}" type="datetimeFigureOut">
               <a:rPr lang="en-US" smtClean="0"/>
-              <a:t>3/1/2018</a:t>
+              <a:t>4/5/2018</a:t>
             </a:fld>
             <a:endParaRPr lang="en-US"/>
           </a:p>
@@ -600,7 +600,7 @@
           <a:p>
             <a:fld id="{07AE0643-7514-477D-80C0-FDC9A99C01B8}" type="datetimeFigureOut">
               <a:rPr lang="en-US" smtClean="0"/>
-              <a:t>3/1/2018</a:t>
+              <a:t>4/5/2018</a:t>
             </a:fld>
             <a:endParaRPr lang="en-US"/>
           </a:p>
@@ -770,7 +770,7 @@
           <a:p>
             <a:fld id="{07AE0643-7514-477D-80C0-FDC9A99C01B8}" type="datetimeFigureOut">
               <a:rPr lang="en-US" smtClean="0"/>
-              <a:t>3/1/2018</a:t>
+              <a:t>4/5/2018</a:t>
             </a:fld>
             <a:endParaRPr lang="en-US"/>
           </a:p>
@@ -1016,7 +1016,7 @@
           <a:p>
             <a:fld id="{07AE0643-7514-477D-80C0-FDC9A99C01B8}" type="datetimeFigureOut">
               <a:rPr lang="en-US" smtClean="0"/>
-              <a:t>3/1/2018</a:t>
+              <a:t>4/5/2018</a:t>
             </a:fld>
             <a:endParaRPr lang="en-US"/>
           </a:p>
@@ -1248,7 +1248,7 @@
           <a:p>
             <a:fld id="{07AE0643-7514-477D-80C0-FDC9A99C01B8}" type="datetimeFigureOut">
               <a:rPr lang="en-US" smtClean="0"/>
-              <a:t>3/1/2018</a:t>
+              <a:t>4/5/2018</a:t>
             </a:fld>
             <a:endParaRPr lang="en-US"/>
           </a:p>
@@ -1615,7 +1615,7 @@
           <a:p>
             <a:fld id="{07AE0643-7514-477D-80C0-FDC9A99C01B8}" type="datetimeFigureOut">
               <a:rPr lang="en-US" smtClean="0"/>
-              <a:t>3/1/2018</a:t>
+              <a:t>4/5/2018</a:t>
             </a:fld>
             <a:endParaRPr lang="en-US"/>
           </a:p>
@@ -1733,7 +1733,7 @@
           <a:p>
             <a:fld id="{07AE0643-7514-477D-80C0-FDC9A99C01B8}" type="datetimeFigureOut">
               <a:rPr lang="en-US" smtClean="0"/>
-              <a:t>3/1/2018</a:t>
+              <a:t>4/5/2018</a:t>
             </a:fld>
             <a:endParaRPr lang="en-US"/>
           </a:p>
@@ -1828,7 +1828,7 @@
           <a:p>
             <a:fld id="{07AE0643-7514-477D-80C0-FDC9A99C01B8}" type="datetimeFigureOut">
               <a:rPr lang="en-US" smtClean="0"/>
-              <a:t>3/1/2018</a:t>
+              <a:t>4/5/2018</a:t>
             </a:fld>
             <a:endParaRPr lang="en-US"/>
           </a:p>
@@ -2105,7 +2105,7 @@
           <a:p>
             <a:fld id="{07AE0643-7514-477D-80C0-FDC9A99C01B8}" type="datetimeFigureOut">
               <a:rPr lang="en-US" smtClean="0"/>
-              <a:t>3/1/2018</a:t>
+              <a:t>4/5/2018</a:t>
             </a:fld>
             <a:endParaRPr lang="en-US"/>
           </a:p>
@@ -2358,7 +2358,7 @@
           <a:p>
             <a:fld id="{07AE0643-7514-477D-80C0-FDC9A99C01B8}" type="datetimeFigureOut">
               <a:rPr lang="en-US" smtClean="0"/>
-              <a:t>3/1/2018</a:t>
+              <a:t>4/5/2018</a:t>
             </a:fld>
             <a:endParaRPr lang="en-US"/>
           </a:p>
@@ -2571,7 +2571,7 @@
           <a:p>
             <a:fld id="{07AE0643-7514-477D-80C0-FDC9A99C01B8}" type="datetimeFigureOut">
               <a:rPr lang="en-US" smtClean="0"/>
-              <a:t>3/1/2018</a:t>
+              <a:t>4/5/2018</a:t>
             </a:fld>
             <a:endParaRPr lang="en-US"/>
           </a:p>
@@ -3309,26 +3309,9 @@
             </a:r>
           </a:p>
           <a:p>
-            <a:endParaRPr lang="en-US" dirty="0"/>
-          </a:p>
-          <a:p>
-            <a:r>
-              <a:rPr lang="en-US" dirty="0" smtClean="0"/>
-              <a:t>Hello </a:t>
-            </a:r>
-            <a:r>
-              <a:rPr lang="en-US" smtClean="0"/>
-              <a:t>WOrld</a:t>
-            </a:r>
-            <a:endParaRPr lang="en-US" dirty="0" smtClean="0"/>
-          </a:p>
-          <a:p>
-            <a:r>
-              <a:rPr lang="en-US" dirty="0" smtClean="0"/>
-              <a:t>Kyle</a:t>
-            </a:r>
-          </a:p>
-          <a:p>
+            <a:pPr marL="0" indent="0">
+              <a:buNone/>
+            </a:pPr>
             <a:endParaRPr lang="en-US" dirty="0"/>
           </a:p>
           <a:p>
@@ -3493,11 +3476,7 @@
           <a:p>
             <a:r>
               <a:rPr lang="en-US" dirty="0" smtClean="0"/>
-              <a:t>Technological advancements</a:t>
-            </a:r>
-            <a:r>
-              <a:rPr lang="en-US" dirty="0" smtClean="0"/>
-              <a:t>: Start to use programmable electronic keys making the key request system obsolete.</a:t>
+              <a:t>Technological advancements: Start to use programmable electronic keys making the key request system obsolete.</a:t>
             </a:r>
           </a:p>
           <a:p>
@@ -3644,29 +3623,35 @@
           </a:p>
         </p:txBody>
       </p:sp>
-      <p:sp>
-        <p:nvSpPr>
-          <p:cNvPr id="3" name="Content Placeholder 2"/>
-          <p:cNvSpPr>
-            <a:spLocks noGrp="1"/>
-          </p:cNvSpPr>
+      <p:pic>
+        <p:nvPicPr>
+          <p:cNvPr id="4" name="Content Placeholder 3"/>
+          <p:cNvPicPr>
+            <a:picLocks noGrp="1" noChangeAspect="1"/>
+          </p:cNvPicPr>
           <p:nvPr>
             <p:ph idx="1"/>
           </p:nvPr>
-        </p:nvSpPr>
-        <p:spPr/>
-        <p:txBody>
-          <a:bodyPr/>
-          <a:lstStyle/>
-          <a:p>
-            <a:r>
-              <a:rPr lang="en-US" dirty="0" smtClean="0"/>
-              <a:t>Kyle</a:t>
-            </a:r>
-            <a:endParaRPr lang="en-US" dirty="0"/>
-          </a:p>
-        </p:txBody>
-      </p:sp>
+        </p:nvPicPr>
+        <p:blipFill>
+          <a:blip r:embed="rId2">
+            <a:extLst>
+              <a:ext uri="{28A0092B-C50C-407E-A947-70E740481C1C}">
+                <a14:useLocalDpi xmlns:a14="http://schemas.microsoft.com/office/drawing/2010/main" val="0"/>
+              </a:ext>
+            </a:extLst>
+          </a:blip>
+          <a:stretch>
+            <a:fillRect/>
+          </a:stretch>
+        </p:blipFill>
+        <p:spPr>
+          <a:xfrm>
+            <a:off x="838199" y="1690688"/>
+            <a:ext cx="8867503" cy="4433752"/>
+          </a:xfrm>
+        </p:spPr>
+      </p:pic>
     </p:spTree>
     <p:extLst>
       <p:ext uri="{BB962C8B-B14F-4D97-AF65-F5344CB8AC3E}">
